--- a/Software Architecture and design/Software Design and Architecture/week 1/Lecture 2.pptx
+++ b/Software Architecture and design/Software Design and Architecture/week 1/Lecture 2.pptx
@@ -256,7 +256,7 @@
           <a:p>
             <a:fld id="{BA9345E9-A2DB-4F18-9D7D-FBEF5DF84F6E}" type="datetimeFigureOut">
               <a:rPr lang="en-US" smtClean="0"/>
-              <a:t>8/23/2020</a:t>
+              <a:t>9/5/2020</a:t>
             </a:fld>
             <a:endParaRPr lang="en-US"/>
           </a:p>
@@ -426,7 +426,7 @@
           <a:p>
             <a:fld id="{BA9345E9-A2DB-4F18-9D7D-FBEF5DF84F6E}" type="datetimeFigureOut">
               <a:rPr lang="en-US" smtClean="0"/>
-              <a:t>8/23/2020</a:t>
+              <a:t>9/5/2020</a:t>
             </a:fld>
             <a:endParaRPr lang="en-US"/>
           </a:p>
@@ -606,7 +606,7 @@
           <a:p>
             <a:fld id="{BA9345E9-A2DB-4F18-9D7D-FBEF5DF84F6E}" type="datetimeFigureOut">
               <a:rPr lang="en-US" smtClean="0"/>
-              <a:t>8/23/2020</a:t>
+              <a:t>9/5/2020</a:t>
             </a:fld>
             <a:endParaRPr lang="en-US"/>
           </a:p>
@@ -776,7 +776,7 @@
           <a:p>
             <a:fld id="{BA9345E9-A2DB-4F18-9D7D-FBEF5DF84F6E}" type="datetimeFigureOut">
               <a:rPr lang="en-US" smtClean="0"/>
-              <a:t>8/23/2020</a:t>
+              <a:t>9/5/2020</a:t>
             </a:fld>
             <a:endParaRPr lang="en-US"/>
           </a:p>
@@ -1022,7 +1022,7 @@
           <a:p>
             <a:fld id="{BA9345E9-A2DB-4F18-9D7D-FBEF5DF84F6E}" type="datetimeFigureOut">
               <a:rPr lang="en-US" smtClean="0"/>
-              <a:t>8/23/2020</a:t>
+              <a:t>9/5/2020</a:t>
             </a:fld>
             <a:endParaRPr lang="en-US"/>
           </a:p>
@@ -1254,7 +1254,7 @@
           <a:p>
             <a:fld id="{BA9345E9-A2DB-4F18-9D7D-FBEF5DF84F6E}" type="datetimeFigureOut">
               <a:rPr lang="en-US" smtClean="0"/>
-              <a:t>8/23/2020</a:t>
+              <a:t>9/5/2020</a:t>
             </a:fld>
             <a:endParaRPr lang="en-US"/>
           </a:p>
@@ -1621,7 +1621,7 @@
           <a:p>
             <a:fld id="{BA9345E9-A2DB-4F18-9D7D-FBEF5DF84F6E}" type="datetimeFigureOut">
               <a:rPr lang="en-US" smtClean="0"/>
-              <a:t>8/23/2020</a:t>
+              <a:t>9/5/2020</a:t>
             </a:fld>
             <a:endParaRPr lang="en-US"/>
           </a:p>
@@ -1739,7 +1739,7 @@
           <a:p>
             <a:fld id="{BA9345E9-A2DB-4F18-9D7D-FBEF5DF84F6E}" type="datetimeFigureOut">
               <a:rPr lang="en-US" smtClean="0"/>
-              <a:t>8/23/2020</a:t>
+              <a:t>9/5/2020</a:t>
             </a:fld>
             <a:endParaRPr lang="en-US"/>
           </a:p>
@@ -1834,7 +1834,7 @@
           <a:p>
             <a:fld id="{BA9345E9-A2DB-4F18-9D7D-FBEF5DF84F6E}" type="datetimeFigureOut">
               <a:rPr lang="en-US" smtClean="0"/>
-              <a:t>8/23/2020</a:t>
+              <a:t>9/5/2020</a:t>
             </a:fld>
             <a:endParaRPr lang="en-US"/>
           </a:p>
@@ -2111,7 +2111,7 @@
           <a:p>
             <a:fld id="{BA9345E9-A2DB-4F18-9D7D-FBEF5DF84F6E}" type="datetimeFigureOut">
               <a:rPr lang="en-US" smtClean="0"/>
-              <a:t>8/23/2020</a:t>
+              <a:t>9/5/2020</a:t>
             </a:fld>
             <a:endParaRPr lang="en-US"/>
           </a:p>
@@ -2364,7 +2364,7 @@
           <a:p>
             <a:fld id="{BA9345E9-A2DB-4F18-9D7D-FBEF5DF84F6E}" type="datetimeFigureOut">
               <a:rPr lang="en-US" smtClean="0"/>
-              <a:t>8/23/2020</a:t>
+              <a:t>9/5/2020</a:t>
             </a:fld>
             <a:endParaRPr lang="en-US"/>
           </a:p>
@@ -2577,7 +2577,7 @@
           <a:p>
             <a:fld id="{BA9345E9-A2DB-4F18-9D7D-FBEF5DF84F6E}" type="datetimeFigureOut">
               <a:rPr lang="en-US" smtClean="0"/>
-              <a:t>8/23/2020</a:t>
+              <a:t>9/5/2020</a:t>
             </a:fld>
             <a:endParaRPr lang="en-US"/>
           </a:p>
@@ -3323,29 +3323,13 @@
                   <a:schemeClr val="accent1"/>
                 </a:solidFill>
               </a:rPr>
-              <a:t>. </a:t>
-            </a:r>
-            <a:r>
-              <a:rPr lang="en-US" dirty="0" smtClean="0">
-                <a:solidFill>
-                  <a:schemeClr val="accent1"/>
-                </a:solidFill>
-              </a:rPr>
-              <a:t>In the call-and-return style,</a:t>
-            </a:r>
-          </a:p>
-          <a:p>
-            <a:r>
-              <a:rPr lang="en-US" dirty="0" smtClean="0"/>
-              <a:t>functions and procedures are the elements organized in a control hierarchy with a main program invoking several subprograms</a:t>
-            </a:r>
-            <a:r>
-              <a:rPr lang="en-US" dirty="0" smtClean="0"/>
-              <a:t>. </a:t>
-            </a:r>
-            <a:r>
-              <a:rPr lang="en-US" dirty="0" smtClean="0"/>
-              <a:t>In the</a:t>
+              <a:t>. In the call-and-return style,</a:t>
+            </a:r>
+          </a:p>
+          <a:p>
+            <a:r>
+              <a:rPr lang="en-US" dirty="0" smtClean="0"/>
+              <a:t>functions and procedures are the elements organized in a control hierarchy with a main program invoking several subprograms. In the</a:t>
             </a:r>
           </a:p>
           <a:p>
@@ -3642,7 +3626,11 @@
           <a:p>
             <a:r>
               <a:rPr lang="en-US" dirty="0" smtClean="0"/>
-              <a:t>and guideline for developing a software system based on its requirement analysis specification. The architecture design embodies the</a:t>
+              <a:t>and guideline for developing a software system based on its requirement analysis specification. The architecture design embodies </a:t>
+            </a:r>
+            <a:r>
+              <a:rPr lang="en-US" dirty="0" smtClean="0"/>
+              <a:t>the</a:t>
             </a:r>
           </a:p>
           <a:p>
